--- a/BDAT 1001 Grp 3.pptx
+++ b/BDAT 1001 Grp 3.pptx
@@ -113,6 +113,11 @@
       </a:defRPr>
     </a:lvl9pPr>
   </p:defaultTextStyle>
+  <p:extLst>
+    <p:ext uri="{EFAFB233-063F-42B5-8137-9DF3F51BA10A}">
+      <p15:sldGuideLst xmlns:p15="http://schemas.microsoft.com/office/powerpoint/2012/main"/>
+    </p:ext>
+  </p:extLst>
 </p:presentation>
 </file>
 
@@ -126,6 +131,30 @@
 
 <file path=ppt/changesInfos/changesInfo1.xml><?xml version="1.0" encoding="utf-8"?>
 <pc:chgInfo xmlns:a="http://schemas.openxmlformats.org/drawingml/2006/main" xmlns:r="http://schemas.openxmlformats.org/officeDocument/2006/relationships" xmlns:ac="http://schemas.microsoft.com/office/drawing/2013/main/command" xmlns:pc="http://schemas.microsoft.com/office/powerpoint/2013/main/command">
+  <pc:docChgLst>
+    <pc:chgData name="Habeeb Omotunde" userId="3c6bbb4b098569fe" providerId="LiveId" clId="{249DA9D0-29BA-416C-97CE-06CE1D83FC0F}"/>
+    <pc:docChg chg="modSld">
+      <pc:chgData name="Habeeb Omotunde" userId="3c6bbb4b098569fe" providerId="LiveId" clId="{249DA9D0-29BA-416C-97CE-06CE1D83FC0F}" dt="2023-12-08T20:39:41.966" v="1" actId="20577"/>
+      <pc:docMkLst>
+        <pc:docMk/>
+      </pc:docMkLst>
+      <pc:sldChg chg="modSp mod">
+        <pc:chgData name="Habeeb Omotunde" userId="3c6bbb4b098569fe" providerId="LiveId" clId="{249DA9D0-29BA-416C-97CE-06CE1D83FC0F}" dt="2023-12-08T20:39:41.966" v="1" actId="20577"/>
+        <pc:sldMkLst>
+          <pc:docMk/>
+          <pc:sldMk cId="2285148620" sldId="257"/>
+        </pc:sldMkLst>
+        <pc:spChg chg="mod">
+          <ac:chgData name="Habeeb Omotunde" userId="3c6bbb4b098569fe" providerId="LiveId" clId="{249DA9D0-29BA-416C-97CE-06CE1D83FC0F}" dt="2023-12-08T20:39:41.966" v="1" actId="20577"/>
+          <ac:spMkLst>
+            <pc:docMk/>
+            <pc:sldMk cId="2285148620" sldId="257"/>
+            <ac:spMk id="3" creationId="{2F9DC0E8-E126-3C70-75C5-3272E7C4A9CF}"/>
+          </ac:spMkLst>
+        </pc:spChg>
+      </pc:sldChg>
+    </pc:docChg>
+  </pc:docChgLst>
   <pc:docChgLst>
     <pc:chgData name="habeeb omotunde" userId="3c6bbb4b098569fe" providerId="LiveId" clId="{249DA9D0-29BA-416C-97CE-06CE1D83FC0F}"/>
     <pc:docChg chg="undo custSel addSld delSld modSld">
@@ -5662,12 +5691,20 @@
               <a:buChar char="v"/>
             </a:pPr>
             <a:r>
+              <a:rPr lang="en-US">
+                <a:solidFill>
+                  <a:schemeClr val="bg1"/>
+                </a:solidFill>
+              </a:rPr>
+              <a:t>Integrating data from multiple sources (</a:t>
+            </a:r>
+            <a:r>
               <a:rPr lang="en-US" dirty="0">
                 <a:solidFill>
                   <a:schemeClr val="bg1"/>
                 </a:solidFill>
               </a:rPr>
-              <a:t>Making sense of the data collection (Live Session)</a:t>
+              <a:t>Live Session)</a:t>
             </a:r>
           </a:p>
           <a:p>
